--- a/PowerPoint/Prezivetje v vesolju.pptx
+++ b/PowerPoint/Prezivetje v vesolju.pptx
@@ -5,7 +5,7 @@
     <p:sldMasterId id="2147483678" r:id="rId1"/>
   </p:sldMasterIdLst>
   <p:notesMasterIdLst>
-    <p:notesMasterId r:id="rId25"/>
+    <p:notesMasterId r:id="rId26"/>
   </p:notesMasterIdLst>
   <p:sldIdLst>
     <p:sldId id="256" r:id="rId2"/>
@@ -27,10 +27,11 @@
     <p:sldId id="290" r:id="rId18"/>
     <p:sldId id="292" r:id="rId19"/>
     <p:sldId id="293" r:id="rId20"/>
-    <p:sldId id="296" r:id="rId21"/>
-    <p:sldId id="298" r:id="rId22"/>
-    <p:sldId id="301" r:id="rId23"/>
-    <p:sldId id="300" r:id="rId24"/>
+    <p:sldId id="302" r:id="rId21"/>
+    <p:sldId id="296" r:id="rId22"/>
+    <p:sldId id="298" r:id="rId23"/>
+    <p:sldId id="301" r:id="rId24"/>
+    <p:sldId id="300" r:id="rId25"/>
   </p:sldIdLst>
   <p:sldSz cx="12192000" cy="6858000"/>
   <p:notesSz cx="6858000" cy="9144000"/>
@@ -12764,12 +12765,7 @@
             <p:ph type="title"/>
           </p:nvPr>
         </p:nvSpPr>
-        <p:spPr>
-          <a:xfrm>
-            <a:off x="685801" y="609600"/>
-            <a:ext cx="10131425" cy="1041647"/>
-          </a:xfrm>
-        </p:spPr>
+        <p:spPr/>
         <p:txBody>
           <a:bodyPr>
             <a:normAutofit/>
@@ -12781,7 +12777,7 @@
                 <a:latin typeface="Times New Roman" panose="02020603050405020304" pitchFamily="18" charset="0"/>
                 <a:cs typeface="Times New Roman" panose="02020603050405020304" pitchFamily="18" charset="0"/>
               </a:rPr>
-              <a:t>Viri in literatura</a:t>
+              <a:t>Zaključek</a:t>
             </a:r>
           </a:p>
         </p:txBody>
@@ -12804,549 +12800,70 @@
         </p:nvSpPr>
         <p:spPr>
           <a:xfrm>
-            <a:off x="685801" y="1455938"/>
-            <a:ext cx="10131425" cy="5273336"/>
+            <a:off x="685801" y="1902370"/>
+            <a:ext cx="10429042" cy="4516185"/>
           </a:xfrm>
         </p:spPr>
         <p:txBody>
           <a:bodyPr anchor="t">
-            <a:normAutofit fontScale="85000" lnSpcReduction="20000"/>
+            <a:normAutofit/>
           </a:bodyPr>
           <a:lstStyle/>
           <a:p>
-            <a:pPr>
-              <a:lnSpc>
-                <a:spcPct val="150000"/>
-              </a:lnSpc>
-              <a:spcAft>
-                <a:spcPts val="800"/>
-              </a:spcAft>
-            </a:pPr>
-            <a:r>
-              <a:rPr lang="sl-SI" sz="1800" dirty="0">
-                <a:effectLst/>
-                <a:latin typeface="Times New Roman" panose="02020603050405020304" pitchFamily="18" charset="0"/>
-                <a:ea typeface="Calibri" panose="020F0502020204030204" pitchFamily="34" charset="0"/>
-                <a:cs typeface="Times New Roman" panose="02020603050405020304" pitchFamily="18" charset="0"/>
-              </a:rPr>
-              <a:t>1. </a:t>
-            </a:r>
-            <a:r>
-              <a:rPr lang="sl-SI" sz="1800" b="1" dirty="0">
-                <a:effectLst/>
-                <a:latin typeface="Times New Roman" panose="02020603050405020304" pitchFamily="18" charset="0"/>
-                <a:ea typeface="Calibri" panose="020F0502020204030204" pitchFamily="34" charset="0"/>
-                <a:cs typeface="Times New Roman" panose="02020603050405020304" pitchFamily="18" charset="0"/>
-              </a:rPr>
-              <a:t>Deepali.</a:t>
-            </a:r>
-            <a:r>
-              <a:rPr lang="sl-SI" sz="1800" dirty="0">
-                <a:effectLst/>
-                <a:latin typeface="Times New Roman" panose="02020603050405020304" pitchFamily="18" charset="0"/>
-                <a:ea typeface="Calibri" panose="020F0502020204030204" pitchFamily="34" charset="0"/>
-                <a:cs typeface="Times New Roman" panose="02020603050405020304" pitchFamily="18" charset="0"/>
-              </a:rPr>
-              <a:t> naukri. </a:t>
-            </a:r>
-            <a:r>
-              <a:rPr lang="sl-SI" sz="1800" i="1" dirty="0">
-                <a:effectLst/>
-                <a:latin typeface="Times New Roman" panose="02020603050405020304" pitchFamily="18" charset="0"/>
-                <a:ea typeface="Calibri" panose="020F0502020204030204" pitchFamily="34" charset="0"/>
-                <a:cs typeface="Times New Roman" panose="02020603050405020304" pitchFamily="18" charset="0"/>
-              </a:rPr>
-              <a:t>A Closer Look at Career in Game Development. </a:t>
-            </a:r>
-            <a:r>
-              <a:rPr lang="sl-SI" sz="1800" dirty="0">
-                <a:effectLst/>
-                <a:latin typeface="Times New Roman" panose="02020603050405020304" pitchFamily="18" charset="0"/>
-                <a:ea typeface="Calibri" panose="020F0502020204030204" pitchFamily="34" charset="0"/>
-                <a:cs typeface="Times New Roman" panose="02020603050405020304" pitchFamily="18" charset="0"/>
-              </a:rPr>
-              <a:t>[Elektronski] 24. 1 2022. [Navedeno: 26. 3 2022.] </a:t>
-            </a:r>
-            <a:r>
-              <a:rPr lang="sl-SI" sz="1800" dirty="0">
-                <a:effectLst/>
-                <a:latin typeface="Times New Roman" panose="02020603050405020304" pitchFamily="18" charset="0"/>
-                <a:ea typeface="Calibri" panose="020F0502020204030204" pitchFamily="34" charset="0"/>
-                <a:cs typeface="Times New Roman" panose="02020603050405020304" pitchFamily="18" charset="0"/>
-                <a:hlinkClick r:id="rId2"/>
-              </a:rPr>
-              <a:t>https://www.naukri.com/learning/what-is-game-development-st559-tg295#description</a:t>
-            </a:r>
-            <a:r>
-              <a:rPr lang="sl-SI" sz="1800" dirty="0">
-                <a:effectLst/>
-                <a:latin typeface="Times New Roman" panose="02020603050405020304" pitchFamily="18" charset="0"/>
-                <a:ea typeface="Calibri" panose="020F0502020204030204" pitchFamily="34" charset="0"/>
-                <a:cs typeface="Times New Roman" panose="02020603050405020304" pitchFamily="18" charset="0"/>
-              </a:rPr>
-              <a:t>.</a:t>
-            </a:r>
-          </a:p>
-          <a:p>
-            <a:pPr>
-              <a:lnSpc>
-                <a:spcPct val="150000"/>
-              </a:lnSpc>
-              <a:spcAft>
-                <a:spcPts val="800"/>
-              </a:spcAft>
-            </a:pPr>
-            <a:r>
-              <a:rPr lang="sl-SI" sz="1800" dirty="0">
-                <a:effectLst/>
-                <a:latin typeface="Times New Roman" panose="02020603050405020304" pitchFamily="18" charset="0"/>
-                <a:ea typeface="Calibri" panose="020F0502020204030204" pitchFamily="34" charset="0"/>
-                <a:cs typeface="Times New Roman" panose="02020603050405020304" pitchFamily="18" charset="0"/>
-              </a:rPr>
-              <a:t>2. </a:t>
-            </a:r>
-            <a:r>
-              <a:rPr lang="sl-SI" sz="1800" b="1" dirty="0">
-                <a:effectLst/>
-                <a:latin typeface="Times New Roman" panose="02020603050405020304" pitchFamily="18" charset="0"/>
-                <a:ea typeface="Calibri" panose="020F0502020204030204" pitchFamily="34" charset="0"/>
-                <a:cs typeface="Times New Roman" panose="02020603050405020304" pitchFamily="18" charset="0"/>
-              </a:rPr>
-              <a:t>Pickell, Devin.</a:t>
-            </a:r>
-            <a:r>
-              <a:rPr lang="sl-SI" sz="1800" dirty="0">
-                <a:effectLst/>
-                <a:latin typeface="Times New Roman" panose="02020603050405020304" pitchFamily="18" charset="0"/>
-                <a:ea typeface="Calibri" panose="020F0502020204030204" pitchFamily="34" charset="0"/>
-                <a:cs typeface="Times New Roman" panose="02020603050405020304" pitchFamily="18" charset="0"/>
-              </a:rPr>
-              <a:t> g2. </a:t>
-            </a:r>
-            <a:r>
-              <a:rPr lang="sl-SI" sz="1800" i="1" dirty="0">
-                <a:effectLst/>
-                <a:latin typeface="Times New Roman" panose="02020603050405020304" pitchFamily="18" charset="0"/>
-                <a:ea typeface="Calibri" panose="020F0502020204030204" pitchFamily="34" charset="0"/>
-                <a:cs typeface="Times New Roman" panose="02020603050405020304" pitchFamily="18" charset="0"/>
-              </a:rPr>
-              <a:t>The 7 Stages of Game Development. </a:t>
-            </a:r>
-            <a:r>
-              <a:rPr lang="sl-SI" sz="1800" dirty="0">
-                <a:effectLst/>
-                <a:latin typeface="Times New Roman" panose="02020603050405020304" pitchFamily="18" charset="0"/>
-                <a:ea typeface="Calibri" panose="020F0502020204030204" pitchFamily="34" charset="0"/>
-                <a:cs typeface="Times New Roman" panose="02020603050405020304" pitchFamily="18" charset="0"/>
-              </a:rPr>
-              <a:t>[Elektronski] 15. 10 2019. [Navedeno: 26. 3 2022.] </a:t>
-            </a:r>
-            <a:r>
-              <a:rPr lang="sl-SI" sz="1800" dirty="0">
-                <a:effectLst/>
-                <a:latin typeface="Times New Roman" panose="02020603050405020304" pitchFamily="18" charset="0"/>
-                <a:ea typeface="Calibri" panose="020F0502020204030204" pitchFamily="34" charset="0"/>
-                <a:cs typeface="Times New Roman" panose="02020603050405020304" pitchFamily="18" charset="0"/>
-                <a:hlinkClick r:id="rId3"/>
-              </a:rPr>
-              <a:t>https://www.g2.com/articles/stages-of-game-development</a:t>
-            </a:r>
-            <a:r>
-              <a:rPr lang="sl-SI" sz="1800" dirty="0">
-                <a:effectLst/>
-                <a:latin typeface="Times New Roman" panose="02020603050405020304" pitchFamily="18" charset="0"/>
-                <a:ea typeface="Calibri" panose="020F0502020204030204" pitchFamily="34" charset="0"/>
-                <a:cs typeface="Times New Roman" panose="02020603050405020304" pitchFamily="18" charset="0"/>
-              </a:rPr>
-              <a:t>.</a:t>
-            </a:r>
-          </a:p>
-          <a:p>
-            <a:pPr>
-              <a:lnSpc>
-                <a:spcPct val="150000"/>
-              </a:lnSpc>
-              <a:spcAft>
-                <a:spcPts val="800"/>
-              </a:spcAft>
-            </a:pPr>
-            <a:r>
-              <a:rPr lang="sl-SI" sz="1800" dirty="0">
-                <a:effectLst/>
-                <a:latin typeface="Times New Roman" panose="02020603050405020304" pitchFamily="18" charset="0"/>
-                <a:ea typeface="Calibri" panose="020F0502020204030204" pitchFamily="34" charset="0"/>
-                <a:cs typeface="Times New Roman" panose="02020603050405020304" pitchFamily="18" charset="0"/>
-              </a:rPr>
-              <a:t>3. </a:t>
-            </a:r>
-            <a:r>
-              <a:rPr lang="sl-SI" sz="1800" b="1" dirty="0">
-                <a:effectLst/>
-                <a:latin typeface="Times New Roman" panose="02020603050405020304" pitchFamily="18" charset="0"/>
-                <a:ea typeface="Calibri" panose="020F0502020204030204" pitchFamily="34" charset="0"/>
-                <a:cs typeface="Times New Roman" panose="02020603050405020304" pitchFamily="18" charset="0"/>
-              </a:rPr>
-              <a:t>Mozolevskaya, Victoria.</a:t>
-            </a:r>
-            <a:r>
-              <a:rPr lang="sl-SI" sz="1800" dirty="0">
-                <a:effectLst/>
-                <a:latin typeface="Times New Roman" panose="02020603050405020304" pitchFamily="18" charset="0"/>
-                <a:ea typeface="Calibri" panose="020F0502020204030204" pitchFamily="34" charset="0"/>
-                <a:cs typeface="Times New Roman" panose="02020603050405020304" pitchFamily="18" charset="0"/>
-              </a:rPr>
-              <a:t> kevuru games. </a:t>
-            </a:r>
-            <a:r>
-              <a:rPr lang="sl-SI" sz="1800" i="1" dirty="0">
-                <a:effectLst/>
-                <a:latin typeface="Times New Roman" panose="02020603050405020304" pitchFamily="18" charset="0"/>
-                <a:ea typeface="Calibri" panose="020F0502020204030204" pitchFamily="34" charset="0"/>
-                <a:cs typeface="Times New Roman" panose="02020603050405020304" pitchFamily="18" charset="0"/>
-              </a:rPr>
-              <a:t>6 KEY STAGES OF GAME DEVELOPMENT: FROM CONCEPT TO STANDING OVATION. </a:t>
-            </a:r>
-            <a:r>
-              <a:rPr lang="sl-SI" sz="1800" dirty="0">
-                <a:effectLst/>
-                <a:latin typeface="Times New Roman" panose="02020603050405020304" pitchFamily="18" charset="0"/>
-                <a:ea typeface="Calibri" panose="020F0502020204030204" pitchFamily="34" charset="0"/>
-                <a:cs typeface="Times New Roman" panose="02020603050405020304" pitchFamily="18" charset="0"/>
-              </a:rPr>
-              <a:t>[Elektronski] 8. 2 2021. [Navedeno: 26. 3 2022.] </a:t>
-            </a:r>
-            <a:r>
-              <a:rPr lang="sl-SI" sz="1800" dirty="0">
-                <a:effectLst/>
-                <a:latin typeface="Times New Roman" panose="02020603050405020304" pitchFamily="18" charset="0"/>
-                <a:ea typeface="Calibri" panose="020F0502020204030204" pitchFamily="34" charset="0"/>
-                <a:cs typeface="Times New Roman" panose="02020603050405020304" pitchFamily="18" charset="0"/>
-                <a:hlinkClick r:id="rId4"/>
-              </a:rPr>
-              <a:t>https://kevurugames.com/blog/6-key-stages-of-game-development-from-concept-to-standing-ovation/</a:t>
-            </a:r>
-            <a:r>
-              <a:rPr lang="sl-SI" sz="1800" dirty="0">
-                <a:effectLst/>
-                <a:latin typeface="Times New Roman" panose="02020603050405020304" pitchFamily="18" charset="0"/>
-                <a:ea typeface="Calibri" panose="020F0502020204030204" pitchFamily="34" charset="0"/>
-                <a:cs typeface="Times New Roman" panose="02020603050405020304" pitchFamily="18" charset="0"/>
-              </a:rPr>
-              <a:t>.</a:t>
-            </a:r>
-          </a:p>
-          <a:p>
-            <a:pPr>
-              <a:lnSpc>
-                <a:spcPct val="150000"/>
-              </a:lnSpc>
-              <a:spcAft>
-                <a:spcPts val="800"/>
-              </a:spcAft>
-            </a:pPr>
-            <a:r>
-              <a:rPr lang="sl-SI" sz="1800" dirty="0">
-                <a:effectLst/>
-                <a:latin typeface="Times New Roman" panose="02020603050405020304" pitchFamily="18" charset="0"/>
-                <a:ea typeface="Calibri" panose="020F0502020204030204" pitchFamily="34" charset="0"/>
-                <a:cs typeface="Times New Roman" panose="02020603050405020304" pitchFamily="18" charset="0"/>
-              </a:rPr>
-              <a:t>4. </a:t>
-            </a:r>
-            <a:r>
-              <a:rPr lang="sl-SI" sz="1800" b="1" dirty="0">
-                <a:effectLst/>
-                <a:latin typeface="Times New Roman" panose="02020603050405020304" pitchFamily="18" charset="0"/>
-                <a:ea typeface="Calibri" panose="020F0502020204030204" pitchFamily="34" charset="0"/>
-                <a:cs typeface="Times New Roman" panose="02020603050405020304" pitchFamily="18" charset="0"/>
-              </a:rPr>
-              <a:t>Wikipedia. </a:t>
-            </a:r>
-            <a:r>
-              <a:rPr lang="sl-SI" sz="1800" i="1" dirty="0">
-                <a:effectLst/>
-                <a:latin typeface="Times New Roman" panose="02020603050405020304" pitchFamily="18" charset="0"/>
-                <a:ea typeface="Calibri" panose="020F0502020204030204" pitchFamily="34" charset="0"/>
-                <a:cs typeface="Times New Roman" panose="02020603050405020304" pitchFamily="18" charset="0"/>
-              </a:rPr>
-              <a:t>Video game development. </a:t>
-            </a:r>
-            <a:r>
-              <a:rPr lang="sl-SI" sz="1800" dirty="0">
-                <a:effectLst/>
-                <a:latin typeface="Times New Roman" panose="02020603050405020304" pitchFamily="18" charset="0"/>
-                <a:ea typeface="Calibri" panose="020F0502020204030204" pitchFamily="34" charset="0"/>
-                <a:cs typeface="Times New Roman" panose="02020603050405020304" pitchFamily="18" charset="0"/>
-              </a:rPr>
-              <a:t>[Elektronski] 19. 3 2022. [Navedeno: 26. 3 2022.] </a:t>
-            </a:r>
-            <a:r>
-              <a:rPr lang="sl-SI" sz="1800" dirty="0">
-                <a:effectLst/>
-                <a:latin typeface="Times New Roman" panose="02020603050405020304" pitchFamily="18" charset="0"/>
-                <a:ea typeface="Calibri" panose="020F0502020204030204" pitchFamily="34" charset="0"/>
-                <a:cs typeface="Times New Roman" panose="02020603050405020304" pitchFamily="18" charset="0"/>
-                <a:hlinkClick r:id="rId5"/>
-              </a:rPr>
-              <a:t>https://en.wikipedia.org/wiki/Video_game_development</a:t>
-            </a:r>
-            <a:r>
-              <a:rPr lang="sl-SI" sz="1800" dirty="0">
-                <a:effectLst/>
-                <a:latin typeface="Times New Roman" panose="02020603050405020304" pitchFamily="18" charset="0"/>
-                <a:ea typeface="Calibri" panose="020F0502020204030204" pitchFamily="34" charset="0"/>
-                <a:cs typeface="Times New Roman" panose="02020603050405020304" pitchFamily="18" charset="0"/>
-              </a:rPr>
-              <a:t>.</a:t>
-            </a:r>
-          </a:p>
-          <a:p>
-            <a:pPr>
-              <a:lnSpc>
-                <a:spcPct val="150000"/>
-              </a:lnSpc>
-              <a:spcAft>
-                <a:spcPts val="800"/>
-              </a:spcAft>
-            </a:pPr>
-            <a:r>
-              <a:rPr lang="sl-SI" sz="1800" dirty="0">
-                <a:effectLst/>
-                <a:latin typeface="Times New Roman" panose="02020603050405020304" pitchFamily="18" charset="0"/>
-                <a:ea typeface="Calibri" panose="020F0502020204030204" pitchFamily="34" charset="0"/>
-                <a:cs typeface="Times New Roman" panose="02020603050405020304" pitchFamily="18" charset="0"/>
-              </a:rPr>
-              <a:t>5. </a:t>
-            </a:r>
-            <a:r>
-              <a:rPr lang="sl-SI" sz="1800" b="1" dirty="0">
-                <a:effectLst/>
-                <a:latin typeface="Times New Roman" panose="02020603050405020304" pitchFamily="18" charset="0"/>
-                <a:ea typeface="Calibri" panose="020F0502020204030204" pitchFamily="34" charset="0"/>
-                <a:cs typeface="Times New Roman" panose="02020603050405020304" pitchFamily="18" charset="0"/>
-              </a:rPr>
-              <a:t>Nuclino</a:t>
-            </a:r>
-            <a:r>
-              <a:rPr lang="sl-SI" sz="1800" dirty="0">
-                <a:effectLst/>
-                <a:latin typeface="Times New Roman" panose="02020603050405020304" pitchFamily="18" charset="0"/>
-                <a:ea typeface="Calibri" panose="020F0502020204030204" pitchFamily="34" charset="0"/>
-                <a:cs typeface="Times New Roman" panose="02020603050405020304" pitchFamily="18" charset="0"/>
-              </a:rPr>
-              <a:t>. </a:t>
-            </a:r>
-            <a:r>
-              <a:rPr lang="sl-SI" sz="1800" i="1" dirty="0">
-                <a:effectLst/>
-                <a:latin typeface="Times New Roman" panose="02020603050405020304" pitchFamily="18" charset="0"/>
-                <a:ea typeface="Calibri" panose="020F0502020204030204" pitchFamily="34" charset="0"/>
-                <a:cs typeface="Times New Roman" panose="02020603050405020304" pitchFamily="18" charset="0"/>
-              </a:rPr>
-              <a:t>Video Game Development Process. </a:t>
-            </a:r>
-            <a:r>
-              <a:rPr lang="sl-SI" sz="1800" dirty="0">
-                <a:effectLst/>
-                <a:latin typeface="Times New Roman" panose="02020603050405020304" pitchFamily="18" charset="0"/>
-                <a:ea typeface="Calibri" panose="020F0502020204030204" pitchFamily="34" charset="0"/>
-                <a:cs typeface="Times New Roman" panose="02020603050405020304" pitchFamily="18" charset="0"/>
-              </a:rPr>
-              <a:t>[Elektronski] 17. 2 2022. [Navedeno: 26. 3 2022.] </a:t>
-            </a:r>
-            <a:r>
-              <a:rPr lang="sl-SI" sz="1800" dirty="0">
-                <a:effectLst/>
-                <a:latin typeface="Times New Roman" panose="02020603050405020304" pitchFamily="18" charset="0"/>
-                <a:ea typeface="Calibri" panose="020F0502020204030204" pitchFamily="34" charset="0"/>
-                <a:cs typeface="Times New Roman" panose="02020603050405020304" pitchFamily="18" charset="0"/>
-                <a:hlinkClick r:id="rId6"/>
-              </a:rPr>
-              <a:t>https://www.nuclino.com/articles/video-game-development-process</a:t>
-            </a:r>
-            <a:r>
-              <a:rPr lang="sl-SI" sz="1800" dirty="0">
-                <a:effectLst/>
-                <a:latin typeface="Times New Roman" panose="02020603050405020304" pitchFamily="18" charset="0"/>
-                <a:ea typeface="Calibri" panose="020F0502020204030204" pitchFamily="34" charset="0"/>
-                <a:cs typeface="Times New Roman" panose="02020603050405020304" pitchFamily="18" charset="0"/>
-              </a:rPr>
-              <a:t>.</a:t>
-            </a:r>
-          </a:p>
-          <a:p>
-            <a:pPr>
-              <a:lnSpc>
-                <a:spcPct val="150000"/>
-              </a:lnSpc>
-              <a:spcAft>
-                <a:spcPts val="800"/>
-              </a:spcAft>
-            </a:pPr>
-            <a:r>
-              <a:rPr lang="sl-SI" sz="1800" dirty="0">
-                <a:effectLst/>
-                <a:latin typeface="Times New Roman" panose="02020603050405020304" pitchFamily="18" charset="0"/>
-                <a:ea typeface="Calibri" panose="020F0502020204030204" pitchFamily="34" charset="0"/>
-                <a:cs typeface="Times New Roman" panose="02020603050405020304" pitchFamily="18" charset="0"/>
-              </a:rPr>
-              <a:t>6. </a:t>
-            </a:r>
-            <a:r>
-              <a:rPr lang="sl-SI" sz="1800" b="1" dirty="0">
-                <a:effectLst/>
-                <a:latin typeface="Times New Roman" panose="02020603050405020304" pitchFamily="18" charset="0"/>
-                <a:ea typeface="Calibri" panose="020F0502020204030204" pitchFamily="34" charset="0"/>
-                <a:cs typeface="Times New Roman" panose="02020603050405020304" pitchFamily="18" charset="0"/>
-              </a:rPr>
-              <a:t>Tyler, Dustin. GameDesigning.</a:t>
-            </a:r>
-            <a:r>
-              <a:rPr lang="sl-SI" sz="1800" dirty="0">
-                <a:effectLst/>
-                <a:latin typeface="Times New Roman" panose="02020603050405020304" pitchFamily="18" charset="0"/>
-                <a:ea typeface="Calibri" panose="020F0502020204030204" pitchFamily="34" charset="0"/>
-                <a:cs typeface="Times New Roman" panose="02020603050405020304" pitchFamily="18" charset="0"/>
-              </a:rPr>
-              <a:t> </a:t>
-            </a:r>
-            <a:r>
-              <a:rPr lang="sl-SI" sz="1800" i="1" dirty="0">
-                <a:effectLst/>
-                <a:latin typeface="Times New Roman" panose="02020603050405020304" pitchFamily="18" charset="0"/>
-                <a:ea typeface="Calibri" panose="020F0502020204030204" pitchFamily="34" charset="0"/>
-                <a:cs typeface="Times New Roman" panose="02020603050405020304" pitchFamily="18" charset="0"/>
-              </a:rPr>
-              <a:t>How to Choose the Best Video Game Engine. </a:t>
-            </a:r>
-            <a:r>
-              <a:rPr lang="sl-SI" sz="1800" dirty="0">
-                <a:effectLst/>
-                <a:latin typeface="Times New Roman" panose="02020603050405020304" pitchFamily="18" charset="0"/>
-                <a:ea typeface="Calibri" panose="020F0502020204030204" pitchFamily="34" charset="0"/>
-                <a:cs typeface="Times New Roman" panose="02020603050405020304" pitchFamily="18" charset="0"/>
-              </a:rPr>
-              <a:t>[Elektronski] 9. 3 2022. [Navedeno: 26. 3 2022.] </a:t>
-            </a:r>
-            <a:r>
-              <a:rPr lang="sl-SI" sz="1800" dirty="0">
-                <a:effectLst/>
-                <a:latin typeface="Times New Roman" panose="02020603050405020304" pitchFamily="18" charset="0"/>
-                <a:ea typeface="Calibri" panose="020F0502020204030204" pitchFamily="34" charset="0"/>
-                <a:cs typeface="Times New Roman" panose="02020603050405020304" pitchFamily="18" charset="0"/>
-                <a:hlinkClick r:id="rId7"/>
-              </a:rPr>
-              <a:t>https://www.gamedesigning.org/career/video-game-engines/</a:t>
-            </a:r>
-            <a:r>
-              <a:rPr lang="sl-SI" sz="1800" dirty="0">
-                <a:effectLst/>
-                <a:latin typeface="Times New Roman" panose="02020603050405020304" pitchFamily="18" charset="0"/>
-                <a:ea typeface="Calibri" panose="020F0502020204030204" pitchFamily="34" charset="0"/>
-                <a:cs typeface="Times New Roman" panose="02020603050405020304" pitchFamily="18" charset="0"/>
-              </a:rPr>
-              <a:t>.</a:t>
-            </a:r>
-          </a:p>
-          <a:p>
-            <a:pPr>
-              <a:lnSpc>
-                <a:spcPct val="150000"/>
-              </a:lnSpc>
-              <a:spcAft>
-                <a:spcPts val="800"/>
-              </a:spcAft>
-            </a:pPr>
-            <a:r>
-              <a:rPr lang="sl-SI" sz="1800" dirty="0">
-                <a:effectLst/>
-                <a:latin typeface="Times New Roman" panose="02020603050405020304" pitchFamily="18" charset="0"/>
-                <a:ea typeface="Calibri" panose="020F0502020204030204" pitchFamily="34" charset="0"/>
-                <a:cs typeface="Times New Roman" panose="02020603050405020304" pitchFamily="18" charset="0"/>
-              </a:rPr>
-              <a:t>7. </a:t>
-            </a:r>
-            <a:r>
-              <a:rPr lang="sl-SI" sz="1800" b="1" dirty="0">
-                <a:effectLst/>
-                <a:latin typeface="Times New Roman" panose="02020603050405020304" pitchFamily="18" charset="0"/>
-                <a:ea typeface="Calibri" panose="020F0502020204030204" pitchFamily="34" charset="0"/>
-                <a:cs typeface="Times New Roman" panose="02020603050405020304" pitchFamily="18" charset="0"/>
-              </a:rPr>
-              <a:t>Walker, Alyssa. Guru99.</a:t>
-            </a:r>
-            <a:r>
-              <a:rPr lang="sl-SI" sz="1800" dirty="0">
-                <a:effectLst/>
-                <a:latin typeface="Times New Roman" panose="02020603050405020304" pitchFamily="18" charset="0"/>
-                <a:ea typeface="Calibri" panose="020F0502020204030204" pitchFamily="34" charset="0"/>
-                <a:cs typeface="Times New Roman" panose="02020603050405020304" pitchFamily="18" charset="0"/>
-              </a:rPr>
-              <a:t> </a:t>
-            </a:r>
-            <a:r>
-              <a:rPr lang="sl-SI" sz="1800" i="1" dirty="0">
-                <a:effectLst/>
-                <a:latin typeface="Times New Roman" panose="02020603050405020304" pitchFamily="18" charset="0"/>
-                <a:ea typeface="Calibri" panose="020F0502020204030204" pitchFamily="34" charset="0"/>
-                <a:cs typeface="Times New Roman" panose="02020603050405020304" pitchFamily="18" charset="0"/>
-              </a:rPr>
-              <a:t>What is Photoshop? Introduction, Meaning, Definition &amp; History. </a:t>
-            </a:r>
-            <a:r>
-              <a:rPr lang="sl-SI" sz="1800" dirty="0">
-                <a:effectLst/>
-                <a:latin typeface="Times New Roman" panose="02020603050405020304" pitchFamily="18" charset="0"/>
-                <a:ea typeface="Calibri" panose="020F0502020204030204" pitchFamily="34" charset="0"/>
-                <a:cs typeface="Times New Roman" panose="02020603050405020304" pitchFamily="18" charset="0"/>
-              </a:rPr>
-              <a:t>[Elektronski] 12. 3 2022. [Navedeno: 27. 3 2022.] </a:t>
-            </a:r>
-            <a:r>
-              <a:rPr lang="sl-SI" sz="1800" dirty="0">
-                <a:effectLst/>
-                <a:latin typeface="Times New Roman" panose="02020603050405020304" pitchFamily="18" charset="0"/>
-                <a:ea typeface="Calibri" panose="020F0502020204030204" pitchFamily="34" charset="0"/>
-                <a:cs typeface="Times New Roman" panose="02020603050405020304" pitchFamily="18" charset="0"/>
-                <a:hlinkClick r:id="rId8"/>
-              </a:rPr>
-              <a:t>https://www.guru99.com/introduction-to-photoshop-cc.html</a:t>
-            </a:r>
-            <a:r>
-              <a:rPr lang="sl-SI" sz="1800" dirty="0">
-                <a:effectLst/>
-                <a:latin typeface="Times New Roman" panose="02020603050405020304" pitchFamily="18" charset="0"/>
-                <a:ea typeface="Calibri" panose="020F0502020204030204" pitchFamily="34" charset="0"/>
-                <a:cs typeface="Times New Roman" panose="02020603050405020304" pitchFamily="18" charset="0"/>
-              </a:rPr>
-              <a:t>.</a:t>
-            </a:r>
-          </a:p>
-          <a:p>
-            <a:endParaRPr lang="sl-SI" sz="2400" dirty="0">
-              <a:latin typeface="Times New Roman" panose="02020603050405020304" pitchFamily="18" charset="0"/>
-              <a:cs typeface="Times New Roman" panose="02020603050405020304" pitchFamily="18" charset="0"/>
-            </a:endParaRPr>
+            <a:r>
+              <a:rPr lang="sl-SI" sz="2400" dirty="0">
+                <a:latin typeface="Times New Roman" panose="02020603050405020304" pitchFamily="18" charset="0"/>
+                <a:cs typeface="Times New Roman" panose="02020603050405020304" pitchFamily="18" charset="0"/>
+              </a:rPr>
+              <a:t>Zabavno</a:t>
+            </a:r>
+          </a:p>
+          <a:p>
+            <a:r>
+              <a:rPr lang="sl-SI" sz="2400" dirty="0">
+                <a:latin typeface="Times New Roman" panose="02020603050405020304" pitchFamily="18" charset="0"/>
+                <a:cs typeface="Times New Roman" panose="02020603050405020304" pitchFamily="18" charset="0"/>
+              </a:rPr>
+              <a:t>Izpopolnjevanje igre</a:t>
+            </a:r>
+          </a:p>
+          <a:p>
+            <a:r>
+              <a:rPr lang="sl-SI" sz="2400" dirty="0">
+                <a:latin typeface="Times New Roman" panose="02020603050405020304" pitchFamily="18" charset="0"/>
+                <a:cs typeface="Times New Roman" panose="02020603050405020304" pitchFamily="18" charset="0"/>
+              </a:rPr>
+              <a:t>Dodajanje novih elementov</a:t>
+            </a:r>
+          </a:p>
+          <a:p>
+            <a:r>
+              <a:rPr lang="sl-SI" sz="2400" dirty="0">
+                <a:latin typeface="Times New Roman" panose="02020603050405020304" pitchFamily="18" charset="0"/>
+                <a:cs typeface="Times New Roman" panose="02020603050405020304" pitchFamily="18" charset="0"/>
+              </a:rPr>
+              <a:t>Zahvala vsem, ki so sodelovali pri izdelavi igre</a:t>
+            </a:r>
           </a:p>
         </p:txBody>
       </p:sp>
     </p:spTree>
     <p:extLst>
       <p:ext uri="{BB962C8B-B14F-4D97-AF65-F5344CB8AC3E}">
-        <p14:creationId xmlns:p14="http://schemas.microsoft.com/office/powerpoint/2010/main" val="794364299"/>
+        <p14:creationId xmlns:p14="http://schemas.microsoft.com/office/powerpoint/2010/main" val="134021518"/>
       </p:ext>
     </p:extLst>
   </p:cSld>
   <p:clrMapOvr>
     <a:masterClrMapping/>
   </p:clrMapOvr>
-  <mc:AlternateContent xmlns:mc="http://schemas.openxmlformats.org/markup-compatibility/2006" xmlns:p14="http://schemas.microsoft.com/office/powerpoint/2010/main">
-    <mc:Choice Requires="p14">
+  <mc:AlternateContent xmlns:mc="http://schemas.openxmlformats.org/markup-compatibility/2006">
+    <mc:Choice xmlns:p14="http://schemas.microsoft.com/office/powerpoint/2010/main" Requires="p14">
       <p:transition spd="med" p14:dur="700">
         <p:fade/>
       </p:transition>
     </mc:Choice>
-    <mc:Fallback xmlns="">
+    <mc:Fallback>
       <p:transition spd="med">
         <p:fade/>
       </p:transition>
@@ -13374,6 +12891,44 @@
       </p:grpSpPr>
       <p:sp>
         <p:nvSpPr>
+          <p:cNvPr id="2" name="Title 1">
+            <a:extLst>
+              <a:ext uri="{FF2B5EF4-FFF2-40B4-BE49-F238E27FC236}">
+                <a16:creationId xmlns:a16="http://schemas.microsoft.com/office/drawing/2014/main" id="{BE6BB535-900D-4FED-8962-8CAE43DDEB91}"/>
+              </a:ext>
+            </a:extLst>
+          </p:cNvPr>
+          <p:cNvSpPr>
+            <a:spLocks noGrp="1"/>
+          </p:cNvSpPr>
+          <p:nvPr>
+            <p:ph type="title"/>
+          </p:nvPr>
+        </p:nvSpPr>
+        <p:spPr>
+          <a:xfrm>
+            <a:off x="685801" y="609600"/>
+            <a:ext cx="10131425" cy="1041647"/>
+          </a:xfrm>
+        </p:spPr>
+        <p:txBody>
+          <a:bodyPr>
+            <a:normAutofit/>
+          </a:bodyPr>
+          <a:lstStyle/>
+          <a:p>
+            <a:r>
+              <a:rPr lang="sl-SI" sz="4000" dirty="0">
+                <a:latin typeface="Times New Roman" panose="02020603050405020304" pitchFamily="18" charset="0"/>
+                <a:cs typeface="Times New Roman" panose="02020603050405020304" pitchFamily="18" charset="0"/>
+              </a:rPr>
+              <a:t>Viri in literatura</a:t>
+            </a:r>
+          </a:p>
+        </p:txBody>
+      </p:sp>
+      <p:sp>
+        <p:nvSpPr>
           <p:cNvPr id="3" name="Content Placeholder 2">
             <a:extLst>
               <a:ext uri="{FF2B5EF4-FFF2-40B4-BE49-F238E27FC236}">
@@ -13390,13 +12945,13 @@
         </p:nvSpPr>
         <p:spPr>
           <a:xfrm>
-            <a:off x="685800" y="834502"/>
-            <a:ext cx="10131425" cy="5592931"/>
+            <a:off x="685801" y="1455938"/>
+            <a:ext cx="10131425" cy="5273336"/>
           </a:xfrm>
         </p:spPr>
         <p:txBody>
           <a:bodyPr anchor="t">
-            <a:normAutofit fontScale="92500" lnSpcReduction="10000"/>
+            <a:normAutofit fontScale="85000" lnSpcReduction="20000"/>
           </a:bodyPr>
           <a:lstStyle/>
           <a:p>
@@ -13415,7 +12970,7 @@
                 <a:ea typeface="Calibri" panose="020F0502020204030204" pitchFamily="34" charset="0"/>
                 <a:cs typeface="Times New Roman" panose="02020603050405020304" pitchFamily="18" charset="0"/>
               </a:rPr>
-              <a:t>8. </a:t>
+              <a:t>1. </a:t>
             </a:r>
             <a:r>
               <a:rPr lang="sl-SI" sz="1800" b="1" dirty="0">
@@ -13424,7 +12979,7 @@
                 <a:ea typeface="Calibri" panose="020F0502020204030204" pitchFamily="34" charset="0"/>
                 <a:cs typeface="Times New Roman" panose="02020603050405020304" pitchFamily="18" charset="0"/>
               </a:rPr>
-              <a:t>Mustafeez, Anusheh Zohair. educative.</a:t>
+              <a:t>Deepali.</a:t>
             </a:r>
             <a:r>
               <a:rPr lang="sl-SI" sz="1800" dirty="0">
@@ -13433,7 +12988,7 @@
                 <a:ea typeface="Calibri" panose="020F0502020204030204" pitchFamily="34" charset="0"/>
                 <a:cs typeface="Times New Roman" panose="02020603050405020304" pitchFamily="18" charset="0"/>
               </a:rPr>
-              <a:t> </a:t>
+              <a:t> naukri. </a:t>
             </a:r>
             <a:r>
               <a:rPr lang="sl-SI" sz="1800" i="1" dirty="0">
@@ -13442,7 +12997,7 @@
                 <a:ea typeface="Calibri" panose="020F0502020204030204" pitchFamily="34" charset="0"/>
                 <a:cs typeface="Times New Roman" panose="02020603050405020304" pitchFamily="18" charset="0"/>
               </a:rPr>
-              <a:t>What is Visual Studio Code? </a:t>
+              <a:t>A Closer Look at Career in Game Development. </a:t>
             </a:r>
             <a:r>
               <a:rPr lang="sl-SI" sz="1800" dirty="0">
@@ -13451,7 +13006,7 @@
                 <a:ea typeface="Calibri" panose="020F0502020204030204" pitchFamily="34" charset="0"/>
                 <a:cs typeface="Times New Roman" panose="02020603050405020304" pitchFamily="18" charset="0"/>
               </a:rPr>
-              <a:t>[Elektronski] 15. 1 2022. [Navedeno: 27. 3 2022.] </a:t>
+              <a:t>[Elektronski] 24. 1 2022. [Navedeno: 26. 3 2022.] </a:t>
             </a:r>
             <a:r>
               <a:rPr lang="sl-SI" sz="1800" dirty="0">
@@ -13461,7 +13016,7 @@
                 <a:cs typeface="Times New Roman" panose="02020603050405020304" pitchFamily="18" charset="0"/>
                 <a:hlinkClick r:id="rId2"/>
               </a:rPr>
-              <a:t>https://www.educative.io/edpresso/what-is-visual-studio-code</a:t>
+              <a:t>https://www.naukri.com/learning/what-is-game-development-st559-tg295#description</a:t>
             </a:r>
             <a:r>
               <a:rPr lang="sl-SI" sz="1800" dirty="0">
@@ -13489,7 +13044,7 @@
                 <a:ea typeface="Calibri" panose="020F0502020204030204" pitchFamily="34" charset="0"/>
                 <a:cs typeface="Times New Roman" panose="02020603050405020304" pitchFamily="18" charset="0"/>
               </a:rPr>
-              <a:t>9. </a:t>
+              <a:t>2. </a:t>
             </a:r>
             <a:r>
               <a:rPr lang="sl-SI" sz="1800" b="1" dirty="0">
@@ -13498,7 +13053,7 @@
                 <a:ea typeface="Calibri" panose="020F0502020204030204" pitchFamily="34" charset="0"/>
                 <a:cs typeface="Times New Roman" panose="02020603050405020304" pitchFamily="18" charset="0"/>
               </a:rPr>
-              <a:t>Schardon, Lindsay. GameDev Academy.</a:t>
+              <a:t>Pickell, Devin.</a:t>
             </a:r>
             <a:r>
               <a:rPr lang="sl-SI" sz="1800" dirty="0">
@@ -13507,7 +13062,7 @@
                 <a:ea typeface="Calibri" panose="020F0502020204030204" pitchFamily="34" charset="0"/>
                 <a:cs typeface="Times New Roman" panose="02020603050405020304" pitchFamily="18" charset="0"/>
               </a:rPr>
-              <a:t> </a:t>
+              <a:t> g2. </a:t>
             </a:r>
             <a:r>
               <a:rPr lang="sl-SI" sz="1800" i="1" dirty="0">
@@ -13516,7 +13071,7 @@
                 <a:ea typeface="Calibri" panose="020F0502020204030204" pitchFamily="34" charset="0"/>
                 <a:cs typeface="Times New Roman" panose="02020603050405020304" pitchFamily="18" charset="0"/>
               </a:rPr>
-              <a:t>What is Unity? – A Guide for One of the Top Game Engines. </a:t>
+              <a:t>The 7 Stages of Game Development. </a:t>
             </a:r>
             <a:r>
               <a:rPr lang="sl-SI" sz="1800" dirty="0">
@@ -13525,7 +13080,7 @@
                 <a:ea typeface="Calibri" panose="020F0502020204030204" pitchFamily="34" charset="0"/>
                 <a:cs typeface="Times New Roman" panose="02020603050405020304" pitchFamily="18" charset="0"/>
               </a:rPr>
-              <a:t>[Elektronski] 22. 2 2022. [Navedeno: 2. 4 2022.] </a:t>
+              <a:t>[Elektronski] 15. 10 2019. [Navedeno: 26. 3 2022.] </a:t>
             </a:r>
             <a:r>
               <a:rPr lang="sl-SI" sz="1800" dirty="0">
@@ -13535,7 +13090,7 @@
                 <a:cs typeface="Times New Roman" panose="02020603050405020304" pitchFamily="18" charset="0"/>
                 <a:hlinkClick r:id="rId3"/>
               </a:rPr>
-              <a:t>https://gamedevacademy.org/what-is-unity/#What_is_Unity</a:t>
+              <a:t>https://www.g2.com/articles/stages-of-game-development</a:t>
             </a:r>
             <a:r>
               <a:rPr lang="sl-SI" sz="1800" dirty="0">
@@ -13563,7 +13118,7 @@
                 <a:ea typeface="Calibri" panose="020F0502020204030204" pitchFamily="34" charset="0"/>
                 <a:cs typeface="Times New Roman" panose="02020603050405020304" pitchFamily="18" charset="0"/>
               </a:rPr>
-              <a:t>10. </a:t>
+              <a:t>3. </a:t>
             </a:r>
             <a:r>
               <a:rPr lang="sl-SI" sz="1800" b="1" dirty="0">
@@ -13572,7 +13127,7 @@
                 <a:ea typeface="Calibri" panose="020F0502020204030204" pitchFamily="34" charset="0"/>
                 <a:cs typeface="Times New Roman" panose="02020603050405020304" pitchFamily="18" charset="0"/>
               </a:rPr>
-              <a:t>Sinicki, Adam. Android Authority.</a:t>
+              <a:t>Mozolevskaya, Victoria.</a:t>
             </a:r>
             <a:r>
               <a:rPr lang="sl-SI" sz="1800" dirty="0">
@@ -13581,7 +13136,7 @@
                 <a:ea typeface="Calibri" panose="020F0502020204030204" pitchFamily="34" charset="0"/>
                 <a:cs typeface="Times New Roman" panose="02020603050405020304" pitchFamily="18" charset="0"/>
               </a:rPr>
-              <a:t> </a:t>
+              <a:t> kevuru games. </a:t>
             </a:r>
             <a:r>
               <a:rPr lang="sl-SI" sz="1800" i="1" dirty="0">
@@ -13590,7 +13145,7 @@
                 <a:ea typeface="Calibri" panose="020F0502020204030204" pitchFamily="34" charset="0"/>
                 <a:cs typeface="Times New Roman" panose="02020603050405020304" pitchFamily="18" charset="0"/>
               </a:rPr>
-              <a:t>What is Unity? Everything you need to know. </a:t>
+              <a:t>6 KEY STAGES OF GAME DEVELOPMENT: FROM CONCEPT TO STANDING OVATION. </a:t>
             </a:r>
             <a:r>
               <a:rPr lang="sl-SI" sz="1800" dirty="0">
@@ -13599,7 +13154,7 @@
                 <a:ea typeface="Calibri" panose="020F0502020204030204" pitchFamily="34" charset="0"/>
                 <a:cs typeface="Times New Roman" panose="02020603050405020304" pitchFamily="18" charset="0"/>
               </a:rPr>
-              <a:t>[Elektronski] 20. 3 2021. [Navedeno: 2. 4 2022.] </a:t>
+              <a:t>[Elektronski] 8. 2 2021. [Navedeno: 26. 3 2022.] </a:t>
             </a:r>
             <a:r>
               <a:rPr lang="sl-SI" sz="1800" dirty="0">
@@ -13609,7 +13164,7 @@
                 <a:cs typeface="Times New Roman" panose="02020603050405020304" pitchFamily="18" charset="0"/>
                 <a:hlinkClick r:id="rId4"/>
               </a:rPr>
-              <a:t>https://www.androidauthority.com/what-is-unity-1131558/</a:t>
+              <a:t>https://kevurugames.com/blog/6-key-stages-of-game-development-from-concept-to-standing-ovation/</a:t>
             </a:r>
             <a:r>
               <a:rPr lang="sl-SI" sz="1800" dirty="0">
@@ -13637,7 +13192,7 @@
                 <a:ea typeface="Calibri" panose="020F0502020204030204" pitchFamily="34" charset="0"/>
                 <a:cs typeface="Times New Roman" panose="02020603050405020304" pitchFamily="18" charset="0"/>
               </a:rPr>
-              <a:t>11. </a:t>
+              <a:t>4. </a:t>
             </a:r>
             <a:r>
               <a:rPr lang="sl-SI" sz="1800" b="1" dirty="0">
@@ -13646,7 +13201,16 @@
                 <a:ea typeface="Calibri" panose="020F0502020204030204" pitchFamily="34" charset="0"/>
                 <a:cs typeface="Times New Roman" panose="02020603050405020304" pitchFamily="18" charset="0"/>
               </a:rPr>
-              <a:t>Unity Documentation.</a:t>
+              <a:t>Wikipedia. </a:t>
+            </a:r>
+            <a:r>
+              <a:rPr lang="sl-SI" sz="1800" i="1" dirty="0">
+                <a:effectLst/>
+                <a:latin typeface="Times New Roman" panose="02020603050405020304" pitchFamily="18" charset="0"/>
+                <a:ea typeface="Calibri" panose="020F0502020204030204" pitchFamily="34" charset="0"/>
+                <a:cs typeface="Times New Roman" panose="02020603050405020304" pitchFamily="18" charset="0"/>
+              </a:rPr>
+              <a:t>Video game development. </a:t>
             </a:r>
             <a:r>
               <a:rPr lang="sl-SI" sz="1800" dirty="0">
@@ -13655,16 +13219,7 @@
                 <a:ea typeface="Calibri" panose="020F0502020204030204" pitchFamily="34" charset="0"/>
                 <a:cs typeface="Times New Roman" panose="02020603050405020304" pitchFamily="18" charset="0"/>
               </a:rPr>
-              <a:t> </a:t>
-            </a:r>
-            <a:r>
-              <a:rPr lang="sl-SI" sz="1800" i="1" dirty="0">
-                <a:effectLst/>
-                <a:latin typeface="Times New Roman" panose="02020603050405020304" pitchFamily="18" charset="0"/>
-                <a:ea typeface="Calibri" panose="020F0502020204030204" pitchFamily="34" charset="0"/>
-                <a:cs typeface="Times New Roman" panose="02020603050405020304" pitchFamily="18" charset="0"/>
-              </a:rPr>
-              <a:t>Unity Manual. </a:t>
+              <a:t>[Elektronski] 19. 3 2022. [Navedeno: 26. 3 2022.] </a:t>
             </a:r>
             <a:r>
               <a:rPr lang="sl-SI" sz="1800" dirty="0">
@@ -13672,18 +13227,9 @@
                 <a:latin typeface="Times New Roman" panose="02020603050405020304" pitchFamily="18" charset="0"/>
                 <a:ea typeface="Calibri" panose="020F0502020204030204" pitchFamily="34" charset="0"/>
                 <a:cs typeface="Times New Roman" panose="02020603050405020304" pitchFamily="18" charset="0"/>
-              </a:rPr>
-              <a:t>[Elektronski] 28. 3 2022. [Navedeno: 2. 4 2022.] </a:t>
-            </a:r>
-            <a:r>
-              <a:rPr lang="sl-SI" sz="1800" dirty="0">
-                <a:effectLst/>
-                <a:latin typeface="Times New Roman" panose="02020603050405020304" pitchFamily="18" charset="0"/>
-                <a:ea typeface="Calibri" panose="020F0502020204030204" pitchFamily="34" charset="0"/>
-                <a:cs typeface="Times New Roman" panose="02020603050405020304" pitchFamily="18" charset="0"/>
                 <a:hlinkClick r:id="rId5"/>
               </a:rPr>
-              <a:t>https://docs.unity3d.com/Manual/ProjectView.html</a:t>
+              <a:t>https://en.wikipedia.org/wiki/Video_game_development</a:t>
             </a:r>
             <a:r>
               <a:rPr lang="sl-SI" sz="1800" dirty="0">
@@ -13711,7 +13257,7 @@
                 <a:ea typeface="Calibri" panose="020F0502020204030204" pitchFamily="34" charset="0"/>
                 <a:cs typeface="Times New Roman" panose="02020603050405020304" pitchFamily="18" charset="0"/>
               </a:rPr>
-              <a:t>12. </a:t>
+              <a:t>5. </a:t>
             </a:r>
             <a:r>
               <a:rPr lang="sl-SI" sz="1800" b="1" dirty="0">
@@ -13720,7 +13266,7 @@
                 <a:ea typeface="Calibri" panose="020F0502020204030204" pitchFamily="34" charset="0"/>
                 <a:cs typeface="Times New Roman" panose="02020603050405020304" pitchFamily="18" charset="0"/>
               </a:rPr>
-              <a:t>freeCodeCamp.</a:t>
+              <a:t>Nuclino</a:t>
             </a:r>
             <a:r>
               <a:rPr lang="sl-SI" sz="1800" dirty="0">
@@ -13729,7 +13275,7 @@
                 <a:ea typeface="Calibri" panose="020F0502020204030204" pitchFamily="34" charset="0"/>
                 <a:cs typeface="Times New Roman" panose="02020603050405020304" pitchFamily="18" charset="0"/>
               </a:rPr>
-              <a:t> </a:t>
+              <a:t>. </a:t>
             </a:r>
             <a:r>
               <a:rPr lang="sl-SI" sz="1800" i="1" dirty="0">
@@ -13738,7 +13284,7 @@
                 <a:ea typeface="Calibri" panose="020F0502020204030204" pitchFamily="34" charset="0"/>
                 <a:cs typeface="Times New Roman" panose="02020603050405020304" pitchFamily="18" charset="0"/>
               </a:rPr>
-              <a:t>What Is Game Development? </a:t>
+              <a:t>Video Game Development Process. </a:t>
             </a:r>
             <a:r>
               <a:rPr lang="sl-SI" sz="1800" dirty="0">
@@ -13747,7 +13293,7 @@
                 <a:ea typeface="Calibri" panose="020F0502020204030204" pitchFamily="34" charset="0"/>
                 <a:cs typeface="Times New Roman" panose="02020603050405020304" pitchFamily="18" charset="0"/>
               </a:rPr>
-              <a:t>[Elektronski] 28. 12 2019. [Navedeno: 26. 3 2022.] </a:t>
+              <a:t>[Elektronski] 17. 2 2022. [Navedeno: 26. 3 2022.] </a:t>
             </a:r>
             <a:r>
               <a:rPr lang="sl-SI" sz="1800" dirty="0">
@@ -13757,7 +13303,7 @@
                 <a:cs typeface="Times New Roman" panose="02020603050405020304" pitchFamily="18" charset="0"/>
                 <a:hlinkClick r:id="rId6"/>
               </a:rPr>
-              <a:t>https://www.freecodecamp.org/news/what-is-game-development/</a:t>
+              <a:t>https://www.nuclino.com/articles/video-game-development-process</a:t>
             </a:r>
             <a:r>
               <a:rPr lang="sl-SI" sz="1800" dirty="0">
@@ -13785,7 +13331,7 @@
                 <a:ea typeface="Calibri" panose="020F0502020204030204" pitchFamily="34" charset="0"/>
                 <a:cs typeface="Times New Roman" panose="02020603050405020304" pitchFamily="18" charset="0"/>
               </a:rPr>
-              <a:t>13. </a:t>
+              <a:t>6. </a:t>
             </a:r>
             <a:r>
               <a:rPr lang="sl-SI" sz="1800" b="1" dirty="0">
@@ -13794,7 +13340,7 @@
                 <a:ea typeface="Calibri" panose="020F0502020204030204" pitchFamily="34" charset="0"/>
                 <a:cs typeface="Times New Roman" panose="02020603050405020304" pitchFamily="18" charset="0"/>
               </a:rPr>
-              <a:t>Wikipedia.</a:t>
+              <a:t>Tyler, Dustin. GameDesigning.</a:t>
             </a:r>
             <a:r>
               <a:rPr lang="sl-SI" sz="1800" dirty="0">
@@ -13812,7 +13358,7 @@
                 <a:ea typeface="Calibri" panose="020F0502020204030204" pitchFamily="34" charset="0"/>
                 <a:cs typeface="Times New Roman" panose="02020603050405020304" pitchFamily="18" charset="0"/>
               </a:rPr>
-              <a:t>Unity (game engine). </a:t>
+              <a:t>How to Choose the Best Video Game Engine. </a:t>
             </a:r>
             <a:r>
               <a:rPr lang="sl-SI" sz="1800" dirty="0">
@@ -13821,7 +13367,7 @@
                 <a:ea typeface="Calibri" panose="020F0502020204030204" pitchFamily="34" charset="0"/>
                 <a:cs typeface="Times New Roman" panose="02020603050405020304" pitchFamily="18" charset="0"/>
               </a:rPr>
-              <a:t>[Elektronski] 1. 4 2022. [Navedeno: 2. 4 2022.] </a:t>
+              <a:t>[Elektronski] 9. 3 2022. [Navedeno: 26. 3 2022.] </a:t>
             </a:r>
             <a:r>
               <a:rPr lang="sl-SI" sz="1800" dirty="0">
@@ -13831,7 +13377,7 @@
                 <a:cs typeface="Times New Roman" panose="02020603050405020304" pitchFamily="18" charset="0"/>
                 <a:hlinkClick r:id="rId7"/>
               </a:rPr>
-              <a:t>https://en.wikipedia.org/wiki/Unity_(game_engine)</a:t>
+              <a:t>https://www.gamedesigning.org/career/video-game-engines/</a:t>
             </a:r>
             <a:r>
               <a:rPr lang="sl-SI" sz="1800" dirty="0">
@@ -13853,41 +13399,69 @@
               </a:spcAft>
             </a:pPr>
             <a:r>
-              <a:rPr lang="sl-SI" dirty="0">
+              <a:rPr lang="sl-SI" sz="1800" dirty="0">
+                <a:effectLst/>
                 <a:latin typeface="Times New Roman" panose="02020603050405020304" pitchFamily="18" charset="0"/>
                 <a:ea typeface="Calibri" panose="020F0502020204030204" pitchFamily="34" charset="0"/>
                 <a:cs typeface="Times New Roman" panose="02020603050405020304" pitchFamily="18" charset="0"/>
               </a:rPr>
-              <a:t>VIR SLIKE: </a:t>
+              <a:t>7. </a:t>
+            </a:r>
+            <a:r>
+              <a:rPr lang="sl-SI" sz="1800" b="1" dirty="0">
+                <a:effectLst/>
+                <a:latin typeface="Times New Roman" panose="02020603050405020304" pitchFamily="18" charset="0"/>
+                <a:ea typeface="Calibri" panose="020F0502020204030204" pitchFamily="34" charset="0"/>
+                <a:cs typeface="Times New Roman" panose="02020603050405020304" pitchFamily="18" charset="0"/>
+              </a:rPr>
+              <a:t>Walker, Alyssa. Guru99.</a:t>
             </a:r>
             <a:r>
               <a:rPr lang="sl-SI" sz="1800" dirty="0">
-                <a:latin typeface="Times New Roman" panose="02020603050405020304" pitchFamily="18" charset="0"/>
+                <a:effectLst/>
+                <a:latin typeface="Times New Roman" panose="02020603050405020304" pitchFamily="18" charset="0"/>
+                <a:ea typeface="Calibri" panose="020F0502020204030204" pitchFamily="34" charset="0"/>
+                <a:cs typeface="Times New Roman" panose="02020603050405020304" pitchFamily="18" charset="0"/>
+              </a:rPr>
+              <a:t> </a:t>
+            </a:r>
+            <a:r>
+              <a:rPr lang="sl-SI" sz="1800" i="1" dirty="0">
+                <a:effectLst/>
+                <a:latin typeface="Times New Roman" panose="02020603050405020304" pitchFamily="18" charset="0"/>
+                <a:ea typeface="Calibri" panose="020F0502020204030204" pitchFamily="34" charset="0"/>
+                <a:cs typeface="Times New Roman" panose="02020603050405020304" pitchFamily="18" charset="0"/>
+              </a:rPr>
+              <a:t>What is Photoshop? Introduction, Meaning, Definition &amp; History. </a:t>
+            </a:r>
+            <a:r>
+              <a:rPr lang="sl-SI" sz="1800" dirty="0">
+                <a:effectLst/>
+                <a:latin typeface="Times New Roman" panose="02020603050405020304" pitchFamily="18" charset="0"/>
+                <a:ea typeface="Calibri" panose="020F0502020204030204" pitchFamily="34" charset="0"/>
+                <a:cs typeface="Times New Roman" panose="02020603050405020304" pitchFamily="18" charset="0"/>
+              </a:rPr>
+              <a:t>[Elektronski] 12. 3 2022. [Navedeno: 27. 3 2022.] </a:t>
+            </a:r>
+            <a:r>
+              <a:rPr lang="sl-SI" sz="1800" dirty="0">
+                <a:effectLst/>
+                <a:latin typeface="Times New Roman" panose="02020603050405020304" pitchFamily="18" charset="0"/>
+                <a:ea typeface="Calibri" panose="020F0502020204030204" pitchFamily="34" charset="0"/>
                 <a:cs typeface="Times New Roman" panose="02020603050405020304" pitchFamily="18" charset="0"/>
                 <a:hlinkClick r:id="rId8"/>
               </a:rPr>
-              <a:t>https://blog.codemagic.io/why-to-use-cicd-for-unity-games/</a:t>
-            </a:r>
-            <a:endParaRPr lang="sl-SI" sz="1800" dirty="0">
-              <a:latin typeface="Times New Roman" panose="02020603050405020304" pitchFamily="18" charset="0"/>
-              <a:cs typeface="Times New Roman" panose="02020603050405020304" pitchFamily="18" charset="0"/>
-            </a:endParaRPr>
-          </a:p>
-          <a:p>
-            <a:pPr algn="just">
-              <a:lnSpc>
-                <a:spcPct val="150000"/>
-              </a:lnSpc>
-              <a:spcAft>
-                <a:spcPts val="800"/>
-              </a:spcAft>
-            </a:pPr>
-            <a:endParaRPr lang="sl-SI" sz="1800" dirty="0">
-              <a:effectLst/>
-              <a:latin typeface="Times New Roman" panose="02020603050405020304" pitchFamily="18" charset="0"/>
-              <a:ea typeface="Calibri" panose="020F0502020204030204" pitchFamily="34" charset="0"/>
-              <a:cs typeface="Times New Roman" panose="02020603050405020304" pitchFamily="18" charset="0"/>
-            </a:endParaRPr>
+              <a:t>https://www.guru99.com/introduction-to-photoshop-cc.html</a:t>
+            </a:r>
+            <a:r>
+              <a:rPr lang="sl-SI" sz="1800" dirty="0">
+                <a:effectLst/>
+                <a:latin typeface="Times New Roman" panose="02020603050405020304" pitchFamily="18" charset="0"/>
+                <a:ea typeface="Calibri" panose="020F0502020204030204" pitchFamily="34" charset="0"/>
+                <a:cs typeface="Times New Roman" panose="02020603050405020304" pitchFamily="18" charset="0"/>
+              </a:rPr>
+              <a:t>.</a:t>
+            </a:r>
           </a:p>
           <a:p>
             <a:endParaRPr lang="sl-SI" sz="2400" dirty="0">
@@ -13900,7 +13474,7 @@
     </p:spTree>
     <p:extLst>
       <p:ext uri="{BB962C8B-B14F-4D97-AF65-F5344CB8AC3E}">
-        <p14:creationId xmlns:p14="http://schemas.microsoft.com/office/powerpoint/2010/main" val="3816726500"/>
+        <p14:creationId xmlns:p14="http://schemas.microsoft.com/office/powerpoint/2010/main" val="794364299"/>
       </p:ext>
     </p:extLst>
   </p:cSld>
@@ -13941,6 +13515,573 @@
       </p:grpSpPr>
       <p:sp>
         <p:nvSpPr>
+          <p:cNvPr id="3" name="Content Placeholder 2">
+            <a:extLst>
+              <a:ext uri="{FF2B5EF4-FFF2-40B4-BE49-F238E27FC236}">
+                <a16:creationId xmlns:a16="http://schemas.microsoft.com/office/drawing/2014/main" id="{4046AB88-8785-4E22-8B27-A12BA23484E3}"/>
+              </a:ext>
+            </a:extLst>
+          </p:cNvPr>
+          <p:cNvSpPr>
+            <a:spLocks noGrp="1"/>
+          </p:cNvSpPr>
+          <p:nvPr>
+            <p:ph idx="1"/>
+          </p:nvPr>
+        </p:nvSpPr>
+        <p:spPr>
+          <a:xfrm>
+            <a:off x="685800" y="834502"/>
+            <a:ext cx="10131425" cy="5592931"/>
+          </a:xfrm>
+        </p:spPr>
+        <p:txBody>
+          <a:bodyPr anchor="t">
+            <a:normAutofit fontScale="92500" lnSpcReduction="10000"/>
+          </a:bodyPr>
+          <a:lstStyle/>
+          <a:p>
+            <a:pPr>
+              <a:lnSpc>
+                <a:spcPct val="150000"/>
+              </a:lnSpc>
+              <a:spcAft>
+                <a:spcPts val="800"/>
+              </a:spcAft>
+            </a:pPr>
+            <a:r>
+              <a:rPr lang="sl-SI" sz="1800" dirty="0">
+                <a:effectLst/>
+                <a:latin typeface="Times New Roman" panose="02020603050405020304" pitchFamily="18" charset="0"/>
+                <a:ea typeface="Calibri" panose="020F0502020204030204" pitchFamily="34" charset="0"/>
+                <a:cs typeface="Times New Roman" panose="02020603050405020304" pitchFamily="18" charset="0"/>
+              </a:rPr>
+              <a:t>8. </a:t>
+            </a:r>
+            <a:r>
+              <a:rPr lang="sl-SI" sz="1800" b="1" dirty="0">
+                <a:effectLst/>
+                <a:latin typeface="Times New Roman" panose="02020603050405020304" pitchFamily="18" charset="0"/>
+                <a:ea typeface="Calibri" panose="020F0502020204030204" pitchFamily="34" charset="0"/>
+                <a:cs typeface="Times New Roman" panose="02020603050405020304" pitchFamily="18" charset="0"/>
+              </a:rPr>
+              <a:t>Mustafeez, Anusheh Zohair. educative.</a:t>
+            </a:r>
+            <a:r>
+              <a:rPr lang="sl-SI" sz="1800" dirty="0">
+                <a:effectLst/>
+                <a:latin typeface="Times New Roman" panose="02020603050405020304" pitchFamily="18" charset="0"/>
+                <a:ea typeface="Calibri" panose="020F0502020204030204" pitchFamily="34" charset="0"/>
+                <a:cs typeface="Times New Roman" panose="02020603050405020304" pitchFamily="18" charset="0"/>
+              </a:rPr>
+              <a:t> </a:t>
+            </a:r>
+            <a:r>
+              <a:rPr lang="sl-SI" sz="1800" i="1" dirty="0">
+                <a:effectLst/>
+                <a:latin typeface="Times New Roman" panose="02020603050405020304" pitchFamily="18" charset="0"/>
+                <a:ea typeface="Calibri" panose="020F0502020204030204" pitchFamily="34" charset="0"/>
+                <a:cs typeface="Times New Roman" panose="02020603050405020304" pitchFamily="18" charset="0"/>
+              </a:rPr>
+              <a:t>What is Visual Studio Code? </a:t>
+            </a:r>
+            <a:r>
+              <a:rPr lang="sl-SI" sz="1800" dirty="0">
+                <a:effectLst/>
+                <a:latin typeface="Times New Roman" panose="02020603050405020304" pitchFamily="18" charset="0"/>
+                <a:ea typeface="Calibri" panose="020F0502020204030204" pitchFamily="34" charset="0"/>
+                <a:cs typeface="Times New Roman" panose="02020603050405020304" pitchFamily="18" charset="0"/>
+              </a:rPr>
+              <a:t>[Elektronski] 15. 1 2022. [Navedeno: 27. 3 2022.] </a:t>
+            </a:r>
+            <a:r>
+              <a:rPr lang="sl-SI" sz="1800" dirty="0">
+                <a:effectLst/>
+                <a:latin typeface="Times New Roman" panose="02020603050405020304" pitchFamily="18" charset="0"/>
+                <a:ea typeface="Calibri" panose="020F0502020204030204" pitchFamily="34" charset="0"/>
+                <a:cs typeface="Times New Roman" panose="02020603050405020304" pitchFamily="18" charset="0"/>
+                <a:hlinkClick r:id="rId2"/>
+              </a:rPr>
+              <a:t>https://www.educative.io/edpresso/what-is-visual-studio-code</a:t>
+            </a:r>
+            <a:r>
+              <a:rPr lang="sl-SI" sz="1800" dirty="0">
+                <a:effectLst/>
+                <a:latin typeface="Times New Roman" panose="02020603050405020304" pitchFamily="18" charset="0"/>
+                <a:ea typeface="Calibri" panose="020F0502020204030204" pitchFamily="34" charset="0"/>
+                <a:cs typeface="Times New Roman" panose="02020603050405020304" pitchFamily="18" charset="0"/>
+              </a:rPr>
+              <a:t>.</a:t>
+            </a:r>
+          </a:p>
+          <a:p>
+            <a:pPr>
+              <a:lnSpc>
+                <a:spcPct val="150000"/>
+              </a:lnSpc>
+              <a:spcAft>
+                <a:spcPts val="800"/>
+              </a:spcAft>
+            </a:pPr>
+            <a:r>
+              <a:rPr lang="sl-SI" sz="1800" dirty="0">
+                <a:effectLst/>
+                <a:latin typeface="Times New Roman" panose="02020603050405020304" pitchFamily="18" charset="0"/>
+                <a:ea typeface="Calibri" panose="020F0502020204030204" pitchFamily="34" charset="0"/>
+                <a:cs typeface="Times New Roman" panose="02020603050405020304" pitchFamily="18" charset="0"/>
+              </a:rPr>
+              <a:t>9. </a:t>
+            </a:r>
+            <a:r>
+              <a:rPr lang="sl-SI" sz="1800" b="1" dirty="0">
+                <a:effectLst/>
+                <a:latin typeface="Times New Roman" panose="02020603050405020304" pitchFamily="18" charset="0"/>
+                <a:ea typeface="Calibri" panose="020F0502020204030204" pitchFamily="34" charset="0"/>
+                <a:cs typeface="Times New Roman" panose="02020603050405020304" pitchFamily="18" charset="0"/>
+              </a:rPr>
+              <a:t>Schardon, Lindsay. GameDev Academy.</a:t>
+            </a:r>
+            <a:r>
+              <a:rPr lang="sl-SI" sz="1800" dirty="0">
+                <a:effectLst/>
+                <a:latin typeface="Times New Roman" panose="02020603050405020304" pitchFamily="18" charset="0"/>
+                <a:ea typeface="Calibri" panose="020F0502020204030204" pitchFamily="34" charset="0"/>
+                <a:cs typeface="Times New Roman" panose="02020603050405020304" pitchFamily="18" charset="0"/>
+              </a:rPr>
+              <a:t> </a:t>
+            </a:r>
+            <a:r>
+              <a:rPr lang="sl-SI" sz="1800" i="1" dirty="0">
+                <a:effectLst/>
+                <a:latin typeface="Times New Roman" panose="02020603050405020304" pitchFamily="18" charset="0"/>
+                <a:ea typeface="Calibri" panose="020F0502020204030204" pitchFamily="34" charset="0"/>
+                <a:cs typeface="Times New Roman" panose="02020603050405020304" pitchFamily="18" charset="0"/>
+              </a:rPr>
+              <a:t>What is Unity? – A Guide for One of the Top Game Engines. </a:t>
+            </a:r>
+            <a:r>
+              <a:rPr lang="sl-SI" sz="1800" dirty="0">
+                <a:effectLst/>
+                <a:latin typeface="Times New Roman" panose="02020603050405020304" pitchFamily="18" charset="0"/>
+                <a:ea typeface="Calibri" panose="020F0502020204030204" pitchFamily="34" charset="0"/>
+                <a:cs typeface="Times New Roman" panose="02020603050405020304" pitchFamily="18" charset="0"/>
+              </a:rPr>
+              <a:t>[Elektronski] 22. 2 2022. [Navedeno: 2. 4 2022.] </a:t>
+            </a:r>
+            <a:r>
+              <a:rPr lang="sl-SI" sz="1800" dirty="0">
+                <a:effectLst/>
+                <a:latin typeface="Times New Roman" panose="02020603050405020304" pitchFamily="18" charset="0"/>
+                <a:ea typeface="Calibri" panose="020F0502020204030204" pitchFamily="34" charset="0"/>
+                <a:cs typeface="Times New Roman" panose="02020603050405020304" pitchFamily="18" charset="0"/>
+                <a:hlinkClick r:id="rId3"/>
+              </a:rPr>
+              <a:t>https://gamedevacademy.org/what-is-unity/#What_is_Unity</a:t>
+            </a:r>
+            <a:r>
+              <a:rPr lang="sl-SI" sz="1800" dirty="0">
+                <a:effectLst/>
+                <a:latin typeface="Times New Roman" panose="02020603050405020304" pitchFamily="18" charset="0"/>
+                <a:ea typeface="Calibri" panose="020F0502020204030204" pitchFamily="34" charset="0"/>
+                <a:cs typeface="Times New Roman" panose="02020603050405020304" pitchFamily="18" charset="0"/>
+              </a:rPr>
+              <a:t>.</a:t>
+            </a:r>
+          </a:p>
+          <a:p>
+            <a:pPr>
+              <a:lnSpc>
+                <a:spcPct val="150000"/>
+              </a:lnSpc>
+              <a:spcAft>
+                <a:spcPts val="800"/>
+              </a:spcAft>
+            </a:pPr>
+            <a:r>
+              <a:rPr lang="sl-SI" sz="1800" dirty="0">
+                <a:effectLst/>
+                <a:latin typeface="Times New Roman" panose="02020603050405020304" pitchFamily="18" charset="0"/>
+                <a:ea typeface="Calibri" panose="020F0502020204030204" pitchFamily="34" charset="0"/>
+                <a:cs typeface="Times New Roman" panose="02020603050405020304" pitchFamily="18" charset="0"/>
+              </a:rPr>
+              <a:t>10. </a:t>
+            </a:r>
+            <a:r>
+              <a:rPr lang="sl-SI" sz="1800" b="1" dirty="0">
+                <a:effectLst/>
+                <a:latin typeface="Times New Roman" panose="02020603050405020304" pitchFamily="18" charset="0"/>
+                <a:ea typeface="Calibri" panose="020F0502020204030204" pitchFamily="34" charset="0"/>
+                <a:cs typeface="Times New Roman" panose="02020603050405020304" pitchFamily="18" charset="0"/>
+              </a:rPr>
+              <a:t>Sinicki, Adam. Android Authority.</a:t>
+            </a:r>
+            <a:r>
+              <a:rPr lang="sl-SI" sz="1800" dirty="0">
+                <a:effectLst/>
+                <a:latin typeface="Times New Roman" panose="02020603050405020304" pitchFamily="18" charset="0"/>
+                <a:ea typeface="Calibri" panose="020F0502020204030204" pitchFamily="34" charset="0"/>
+                <a:cs typeface="Times New Roman" panose="02020603050405020304" pitchFamily="18" charset="0"/>
+              </a:rPr>
+              <a:t> </a:t>
+            </a:r>
+            <a:r>
+              <a:rPr lang="sl-SI" sz="1800" i="1" dirty="0">
+                <a:effectLst/>
+                <a:latin typeface="Times New Roman" panose="02020603050405020304" pitchFamily="18" charset="0"/>
+                <a:ea typeface="Calibri" panose="020F0502020204030204" pitchFamily="34" charset="0"/>
+                <a:cs typeface="Times New Roman" panose="02020603050405020304" pitchFamily="18" charset="0"/>
+              </a:rPr>
+              <a:t>What is Unity? Everything you need to know. </a:t>
+            </a:r>
+            <a:r>
+              <a:rPr lang="sl-SI" sz="1800" dirty="0">
+                <a:effectLst/>
+                <a:latin typeface="Times New Roman" panose="02020603050405020304" pitchFamily="18" charset="0"/>
+                <a:ea typeface="Calibri" panose="020F0502020204030204" pitchFamily="34" charset="0"/>
+                <a:cs typeface="Times New Roman" panose="02020603050405020304" pitchFamily="18" charset="0"/>
+              </a:rPr>
+              <a:t>[Elektronski] 20. 3 2021. [Navedeno: 2. 4 2022.] </a:t>
+            </a:r>
+            <a:r>
+              <a:rPr lang="sl-SI" sz="1800" dirty="0">
+                <a:effectLst/>
+                <a:latin typeface="Times New Roman" panose="02020603050405020304" pitchFamily="18" charset="0"/>
+                <a:ea typeface="Calibri" panose="020F0502020204030204" pitchFamily="34" charset="0"/>
+                <a:cs typeface="Times New Roman" panose="02020603050405020304" pitchFamily="18" charset="0"/>
+                <a:hlinkClick r:id="rId4"/>
+              </a:rPr>
+              <a:t>https://www.androidauthority.com/what-is-unity-1131558/</a:t>
+            </a:r>
+            <a:r>
+              <a:rPr lang="sl-SI" sz="1800" dirty="0">
+                <a:effectLst/>
+                <a:latin typeface="Times New Roman" panose="02020603050405020304" pitchFamily="18" charset="0"/>
+                <a:ea typeface="Calibri" panose="020F0502020204030204" pitchFamily="34" charset="0"/>
+                <a:cs typeface="Times New Roman" panose="02020603050405020304" pitchFamily="18" charset="0"/>
+              </a:rPr>
+              <a:t>.</a:t>
+            </a:r>
+          </a:p>
+          <a:p>
+            <a:pPr>
+              <a:lnSpc>
+                <a:spcPct val="150000"/>
+              </a:lnSpc>
+              <a:spcAft>
+                <a:spcPts val="800"/>
+              </a:spcAft>
+            </a:pPr>
+            <a:r>
+              <a:rPr lang="sl-SI" sz="1800" dirty="0">
+                <a:effectLst/>
+                <a:latin typeface="Times New Roman" panose="02020603050405020304" pitchFamily="18" charset="0"/>
+                <a:ea typeface="Calibri" panose="020F0502020204030204" pitchFamily="34" charset="0"/>
+                <a:cs typeface="Times New Roman" panose="02020603050405020304" pitchFamily="18" charset="0"/>
+              </a:rPr>
+              <a:t>11. </a:t>
+            </a:r>
+            <a:r>
+              <a:rPr lang="sl-SI" sz="1800" b="1" dirty="0">
+                <a:effectLst/>
+                <a:latin typeface="Times New Roman" panose="02020603050405020304" pitchFamily="18" charset="0"/>
+                <a:ea typeface="Calibri" panose="020F0502020204030204" pitchFamily="34" charset="0"/>
+                <a:cs typeface="Times New Roman" panose="02020603050405020304" pitchFamily="18" charset="0"/>
+              </a:rPr>
+              <a:t>Unity Documentation.</a:t>
+            </a:r>
+            <a:r>
+              <a:rPr lang="sl-SI" sz="1800" dirty="0">
+                <a:effectLst/>
+                <a:latin typeface="Times New Roman" panose="02020603050405020304" pitchFamily="18" charset="0"/>
+                <a:ea typeface="Calibri" panose="020F0502020204030204" pitchFamily="34" charset="0"/>
+                <a:cs typeface="Times New Roman" panose="02020603050405020304" pitchFamily="18" charset="0"/>
+              </a:rPr>
+              <a:t> </a:t>
+            </a:r>
+            <a:r>
+              <a:rPr lang="sl-SI" sz="1800" i="1" dirty="0">
+                <a:effectLst/>
+                <a:latin typeface="Times New Roman" panose="02020603050405020304" pitchFamily="18" charset="0"/>
+                <a:ea typeface="Calibri" panose="020F0502020204030204" pitchFamily="34" charset="0"/>
+                <a:cs typeface="Times New Roman" panose="02020603050405020304" pitchFamily="18" charset="0"/>
+              </a:rPr>
+              <a:t>Unity Manual. </a:t>
+            </a:r>
+            <a:r>
+              <a:rPr lang="sl-SI" sz="1800" dirty="0">
+                <a:effectLst/>
+                <a:latin typeface="Times New Roman" panose="02020603050405020304" pitchFamily="18" charset="0"/>
+                <a:ea typeface="Calibri" panose="020F0502020204030204" pitchFamily="34" charset="0"/>
+                <a:cs typeface="Times New Roman" panose="02020603050405020304" pitchFamily="18" charset="0"/>
+              </a:rPr>
+              <a:t>[Elektronski] 28. 3 2022. [Navedeno: 2. 4 2022.] </a:t>
+            </a:r>
+            <a:r>
+              <a:rPr lang="sl-SI" sz="1800" dirty="0">
+                <a:effectLst/>
+                <a:latin typeface="Times New Roman" panose="02020603050405020304" pitchFamily="18" charset="0"/>
+                <a:ea typeface="Calibri" panose="020F0502020204030204" pitchFamily="34" charset="0"/>
+                <a:cs typeface="Times New Roman" panose="02020603050405020304" pitchFamily="18" charset="0"/>
+                <a:hlinkClick r:id="rId5"/>
+              </a:rPr>
+              <a:t>https://docs.unity3d.com/Manual/ProjectView.html</a:t>
+            </a:r>
+            <a:r>
+              <a:rPr lang="sl-SI" sz="1800" dirty="0">
+                <a:effectLst/>
+                <a:latin typeface="Times New Roman" panose="02020603050405020304" pitchFamily="18" charset="0"/>
+                <a:ea typeface="Calibri" panose="020F0502020204030204" pitchFamily="34" charset="0"/>
+                <a:cs typeface="Times New Roman" panose="02020603050405020304" pitchFamily="18" charset="0"/>
+              </a:rPr>
+              <a:t>.</a:t>
+            </a:r>
+          </a:p>
+          <a:p>
+            <a:pPr>
+              <a:lnSpc>
+                <a:spcPct val="150000"/>
+              </a:lnSpc>
+              <a:spcAft>
+                <a:spcPts val="800"/>
+              </a:spcAft>
+            </a:pPr>
+            <a:r>
+              <a:rPr lang="sl-SI" sz="1800" dirty="0">
+                <a:effectLst/>
+                <a:latin typeface="Times New Roman" panose="02020603050405020304" pitchFamily="18" charset="0"/>
+                <a:ea typeface="Calibri" panose="020F0502020204030204" pitchFamily="34" charset="0"/>
+                <a:cs typeface="Times New Roman" panose="02020603050405020304" pitchFamily="18" charset="0"/>
+              </a:rPr>
+              <a:t>12. </a:t>
+            </a:r>
+            <a:r>
+              <a:rPr lang="sl-SI" sz="1800" b="1" dirty="0">
+                <a:effectLst/>
+                <a:latin typeface="Times New Roman" panose="02020603050405020304" pitchFamily="18" charset="0"/>
+                <a:ea typeface="Calibri" panose="020F0502020204030204" pitchFamily="34" charset="0"/>
+                <a:cs typeface="Times New Roman" panose="02020603050405020304" pitchFamily="18" charset="0"/>
+              </a:rPr>
+              <a:t>freeCodeCamp.</a:t>
+            </a:r>
+            <a:r>
+              <a:rPr lang="sl-SI" sz="1800" dirty="0">
+                <a:effectLst/>
+                <a:latin typeface="Times New Roman" panose="02020603050405020304" pitchFamily="18" charset="0"/>
+                <a:ea typeface="Calibri" panose="020F0502020204030204" pitchFamily="34" charset="0"/>
+                <a:cs typeface="Times New Roman" panose="02020603050405020304" pitchFamily="18" charset="0"/>
+              </a:rPr>
+              <a:t> </a:t>
+            </a:r>
+            <a:r>
+              <a:rPr lang="sl-SI" sz="1800" i="1" dirty="0">
+                <a:effectLst/>
+                <a:latin typeface="Times New Roman" panose="02020603050405020304" pitchFamily="18" charset="0"/>
+                <a:ea typeface="Calibri" panose="020F0502020204030204" pitchFamily="34" charset="0"/>
+                <a:cs typeface="Times New Roman" panose="02020603050405020304" pitchFamily="18" charset="0"/>
+              </a:rPr>
+              <a:t>What Is Game Development? </a:t>
+            </a:r>
+            <a:r>
+              <a:rPr lang="sl-SI" sz="1800" dirty="0">
+                <a:effectLst/>
+                <a:latin typeface="Times New Roman" panose="02020603050405020304" pitchFamily="18" charset="0"/>
+                <a:ea typeface="Calibri" panose="020F0502020204030204" pitchFamily="34" charset="0"/>
+                <a:cs typeface="Times New Roman" panose="02020603050405020304" pitchFamily="18" charset="0"/>
+              </a:rPr>
+              <a:t>[Elektronski] 28. 12 2019. [Navedeno: 26. 3 2022.] </a:t>
+            </a:r>
+            <a:r>
+              <a:rPr lang="sl-SI" sz="1800" dirty="0">
+                <a:effectLst/>
+                <a:latin typeface="Times New Roman" panose="02020603050405020304" pitchFamily="18" charset="0"/>
+                <a:ea typeface="Calibri" panose="020F0502020204030204" pitchFamily="34" charset="0"/>
+                <a:cs typeface="Times New Roman" panose="02020603050405020304" pitchFamily="18" charset="0"/>
+                <a:hlinkClick r:id="rId6"/>
+              </a:rPr>
+              <a:t>https://www.freecodecamp.org/news/what-is-game-development/</a:t>
+            </a:r>
+            <a:r>
+              <a:rPr lang="sl-SI" sz="1800" dirty="0">
+                <a:effectLst/>
+                <a:latin typeface="Times New Roman" panose="02020603050405020304" pitchFamily="18" charset="0"/>
+                <a:ea typeface="Calibri" panose="020F0502020204030204" pitchFamily="34" charset="0"/>
+                <a:cs typeface="Times New Roman" panose="02020603050405020304" pitchFamily="18" charset="0"/>
+              </a:rPr>
+              <a:t>.</a:t>
+            </a:r>
+          </a:p>
+          <a:p>
+            <a:pPr>
+              <a:lnSpc>
+                <a:spcPct val="150000"/>
+              </a:lnSpc>
+              <a:spcAft>
+                <a:spcPts val="800"/>
+              </a:spcAft>
+            </a:pPr>
+            <a:r>
+              <a:rPr lang="sl-SI" sz="1800" dirty="0">
+                <a:effectLst/>
+                <a:latin typeface="Times New Roman" panose="02020603050405020304" pitchFamily="18" charset="0"/>
+                <a:ea typeface="Calibri" panose="020F0502020204030204" pitchFamily="34" charset="0"/>
+                <a:cs typeface="Times New Roman" panose="02020603050405020304" pitchFamily="18" charset="0"/>
+              </a:rPr>
+              <a:t>13. </a:t>
+            </a:r>
+            <a:r>
+              <a:rPr lang="sl-SI" sz="1800" b="1" dirty="0">
+                <a:effectLst/>
+                <a:latin typeface="Times New Roman" panose="02020603050405020304" pitchFamily="18" charset="0"/>
+                <a:ea typeface="Calibri" panose="020F0502020204030204" pitchFamily="34" charset="0"/>
+                <a:cs typeface="Times New Roman" panose="02020603050405020304" pitchFamily="18" charset="0"/>
+              </a:rPr>
+              <a:t>Wikipedia.</a:t>
+            </a:r>
+            <a:r>
+              <a:rPr lang="sl-SI" sz="1800" dirty="0">
+                <a:effectLst/>
+                <a:latin typeface="Times New Roman" panose="02020603050405020304" pitchFamily="18" charset="0"/>
+                <a:ea typeface="Calibri" panose="020F0502020204030204" pitchFamily="34" charset="0"/>
+                <a:cs typeface="Times New Roman" panose="02020603050405020304" pitchFamily="18" charset="0"/>
+              </a:rPr>
+              <a:t> </a:t>
+            </a:r>
+            <a:r>
+              <a:rPr lang="sl-SI" sz="1800" i="1" dirty="0">
+                <a:effectLst/>
+                <a:latin typeface="Times New Roman" panose="02020603050405020304" pitchFamily="18" charset="0"/>
+                <a:ea typeface="Calibri" panose="020F0502020204030204" pitchFamily="34" charset="0"/>
+                <a:cs typeface="Times New Roman" panose="02020603050405020304" pitchFamily="18" charset="0"/>
+              </a:rPr>
+              <a:t>Unity (game engine). </a:t>
+            </a:r>
+            <a:r>
+              <a:rPr lang="sl-SI" sz="1800" dirty="0">
+                <a:effectLst/>
+                <a:latin typeface="Times New Roman" panose="02020603050405020304" pitchFamily="18" charset="0"/>
+                <a:ea typeface="Calibri" panose="020F0502020204030204" pitchFamily="34" charset="0"/>
+                <a:cs typeface="Times New Roman" panose="02020603050405020304" pitchFamily="18" charset="0"/>
+              </a:rPr>
+              <a:t>[Elektronski] 1. 4 2022. [Navedeno: 2. 4 2022.] </a:t>
+            </a:r>
+            <a:r>
+              <a:rPr lang="sl-SI" sz="1800" dirty="0">
+                <a:effectLst/>
+                <a:latin typeface="Times New Roman" panose="02020603050405020304" pitchFamily="18" charset="0"/>
+                <a:ea typeface="Calibri" panose="020F0502020204030204" pitchFamily="34" charset="0"/>
+                <a:cs typeface="Times New Roman" panose="02020603050405020304" pitchFamily="18" charset="0"/>
+                <a:hlinkClick r:id="rId7"/>
+              </a:rPr>
+              <a:t>https://en.wikipedia.org/wiki/Unity_(game_engine)</a:t>
+            </a:r>
+            <a:r>
+              <a:rPr lang="sl-SI" sz="1800" dirty="0">
+                <a:effectLst/>
+                <a:latin typeface="Times New Roman" panose="02020603050405020304" pitchFamily="18" charset="0"/>
+                <a:ea typeface="Calibri" panose="020F0502020204030204" pitchFamily="34" charset="0"/>
+                <a:cs typeface="Times New Roman" panose="02020603050405020304" pitchFamily="18" charset="0"/>
+              </a:rPr>
+              <a:t>.</a:t>
+            </a:r>
+          </a:p>
+          <a:p>
+            <a:pPr>
+              <a:lnSpc>
+                <a:spcPct val="150000"/>
+              </a:lnSpc>
+              <a:spcAft>
+                <a:spcPts val="800"/>
+              </a:spcAft>
+            </a:pPr>
+            <a:r>
+              <a:rPr lang="sl-SI" dirty="0">
+                <a:latin typeface="Times New Roman" panose="02020603050405020304" pitchFamily="18" charset="0"/>
+                <a:ea typeface="Calibri" panose="020F0502020204030204" pitchFamily="34" charset="0"/>
+                <a:cs typeface="Times New Roman" panose="02020603050405020304" pitchFamily="18" charset="0"/>
+              </a:rPr>
+              <a:t>VIR SLIKE: </a:t>
+            </a:r>
+            <a:r>
+              <a:rPr lang="sl-SI" sz="1800" dirty="0">
+                <a:latin typeface="Times New Roman" panose="02020603050405020304" pitchFamily="18" charset="0"/>
+                <a:cs typeface="Times New Roman" panose="02020603050405020304" pitchFamily="18" charset="0"/>
+                <a:hlinkClick r:id="rId8"/>
+              </a:rPr>
+              <a:t>https://blog.codemagic.io/why-to-use-cicd-for-unity-games/</a:t>
+            </a:r>
+            <a:endParaRPr lang="sl-SI" sz="1800" dirty="0">
+              <a:latin typeface="Times New Roman" panose="02020603050405020304" pitchFamily="18" charset="0"/>
+              <a:cs typeface="Times New Roman" panose="02020603050405020304" pitchFamily="18" charset="0"/>
+            </a:endParaRPr>
+          </a:p>
+          <a:p>
+            <a:pPr algn="just">
+              <a:lnSpc>
+                <a:spcPct val="150000"/>
+              </a:lnSpc>
+              <a:spcAft>
+                <a:spcPts val="800"/>
+              </a:spcAft>
+            </a:pPr>
+            <a:endParaRPr lang="sl-SI" sz="1800" dirty="0">
+              <a:effectLst/>
+              <a:latin typeface="Times New Roman" panose="02020603050405020304" pitchFamily="18" charset="0"/>
+              <a:ea typeface="Calibri" panose="020F0502020204030204" pitchFamily="34" charset="0"/>
+              <a:cs typeface="Times New Roman" panose="02020603050405020304" pitchFamily="18" charset="0"/>
+            </a:endParaRPr>
+          </a:p>
+          <a:p>
+            <a:endParaRPr lang="sl-SI" sz="2400" dirty="0">
+              <a:latin typeface="Times New Roman" panose="02020603050405020304" pitchFamily="18" charset="0"/>
+              <a:cs typeface="Times New Roman" panose="02020603050405020304" pitchFamily="18" charset="0"/>
+            </a:endParaRPr>
+          </a:p>
+        </p:txBody>
+      </p:sp>
+    </p:spTree>
+    <p:extLst>
+      <p:ext uri="{BB962C8B-B14F-4D97-AF65-F5344CB8AC3E}">
+        <p14:creationId xmlns:p14="http://schemas.microsoft.com/office/powerpoint/2010/main" val="3816726500"/>
+      </p:ext>
+    </p:extLst>
+  </p:cSld>
+  <p:clrMapOvr>
+    <a:masterClrMapping/>
+  </p:clrMapOvr>
+  <mc:AlternateContent xmlns:mc="http://schemas.openxmlformats.org/markup-compatibility/2006" xmlns:p14="http://schemas.microsoft.com/office/powerpoint/2010/main">
+    <mc:Choice Requires="p14">
+      <p:transition spd="med" p14:dur="700">
+        <p:fade/>
+      </p:transition>
+    </mc:Choice>
+    <mc:Fallback xmlns="">
+      <p:transition spd="med">
+        <p:fade/>
+      </p:transition>
+    </mc:Fallback>
+  </mc:AlternateContent>
+</p:sld>
+</file>
+
+<file path=ppt/slides/slide23.xml><?xml version="1.0" encoding="utf-8"?>
+<p:sld xmlns:a="http://schemas.openxmlformats.org/drawingml/2006/main" xmlns:r="http://schemas.openxmlformats.org/officeDocument/2006/relationships" xmlns:p="http://schemas.openxmlformats.org/presentationml/2006/main">
+  <p:cSld>
+    <p:spTree>
+      <p:nvGrpSpPr>
+        <p:cNvPr id="1" name=""/>
+        <p:cNvGrpSpPr/>
+        <p:nvPr/>
+      </p:nvGrpSpPr>
+      <p:grpSpPr>
+        <a:xfrm>
+          <a:off x="0" y="0"/>
+          <a:ext cx="0" cy="0"/>
+          <a:chOff x="0" y="0"/>
+          <a:chExt cx="0" cy="0"/>
+        </a:xfrm>
+      </p:grpSpPr>
+      <p:sp>
+        <p:nvSpPr>
           <p:cNvPr id="2" name="Title 1">
             <a:extLst>
               <a:ext uri="{FF2B5EF4-FFF2-40B4-BE49-F238E27FC236}">
@@ -14146,7 +14287,7 @@
 </p:sld>
 </file>
 
-<file path=ppt/slides/slide23.xml><?xml version="1.0" encoding="utf-8"?>
+<file path=ppt/slides/slide24.xml><?xml version="1.0" encoding="utf-8"?>
 <p:sld xmlns:a="http://schemas.openxmlformats.org/drawingml/2006/main" xmlns:r="http://schemas.openxmlformats.org/officeDocument/2006/relationships" xmlns:p="http://schemas.openxmlformats.org/presentationml/2006/main">
   <p:cSld>
     <p:spTree>
@@ -15374,14 +15515,8 @@
                 <a:latin typeface="Times New Roman" panose="02020603050405020304" pitchFamily="18" charset="0"/>
                 <a:cs typeface="Times New Roman" panose="02020603050405020304" pitchFamily="18" charset="0"/>
               </a:rPr>
-              <a:t>Prikaz napak v kodi ali določenega teksta</a:t>
-            </a:r>
-          </a:p>
-          <a:p>
-            <a:endParaRPr lang="sl-SI" sz="2800" dirty="0">
-              <a:latin typeface="Times New Roman" panose="02020603050405020304" pitchFamily="18" charset="0"/>
-              <a:cs typeface="Times New Roman" panose="02020603050405020304" pitchFamily="18" charset="0"/>
-            </a:endParaRPr>
+              <a:t>Prikaz napak v kodi</a:t>
+            </a:r>
           </a:p>
           <a:p>
             <a:endParaRPr lang="sl-SI" sz="2400" dirty="0">
